--- a/강의노트_MQTT & NodeRED/03. Node-RED MySQL.pptx
+++ b/강의노트_MQTT & NodeRED/03. Node-RED MySQL.pptx
@@ -1218,7 +1218,771 @@
           <a:bodyPr/>
           <a:lstStyle/>
           <a:p>
-            <a:endParaRPr lang="ko-KR" altLang="en-US" dirty="0"/>
+            <a:r>
+              <a:rPr lang="en-US" altLang="ko-KR" b="0" dirty="0">
+                <a:solidFill>
+                  <a:srgbClr val="0000FF"/>
+                </a:solidFill>
+                <a:effectLst/>
+                <a:latin typeface="Consolas" panose="020B0609020204030204" pitchFamily="49" charset="0"/>
+              </a:rPr>
+              <a:t>let</a:t>
+            </a:r>
+            <a:r>
+              <a:rPr lang="en-US" altLang="ko-KR" b="0" dirty="0">
+                <a:solidFill>
+                  <a:srgbClr val="000000"/>
+                </a:solidFill>
+                <a:effectLst/>
+                <a:latin typeface="Consolas" panose="020B0609020204030204" pitchFamily="49" charset="0"/>
+              </a:rPr>
+              <a:t> data = </a:t>
+            </a:r>
+            <a:r>
+              <a:rPr lang="en-US" altLang="ko-KR" b="0" dirty="0" err="1">
+                <a:solidFill>
+                  <a:srgbClr val="000000"/>
+                </a:solidFill>
+                <a:effectLst/>
+                <a:latin typeface="Consolas" panose="020B0609020204030204" pitchFamily="49" charset="0"/>
+              </a:rPr>
+              <a:t>msg.payload.split</a:t>
+            </a:r>
+            <a:r>
+              <a:rPr lang="en-US" altLang="ko-KR" b="0" dirty="0">
+                <a:solidFill>
+                  <a:srgbClr val="000000"/>
+                </a:solidFill>
+                <a:effectLst/>
+                <a:latin typeface="Consolas" panose="020B0609020204030204" pitchFamily="49" charset="0"/>
+              </a:rPr>
+              <a:t>(</a:t>
+            </a:r>
+            <a:r>
+              <a:rPr lang="en-US" altLang="ko-KR" b="0" dirty="0">
+                <a:solidFill>
+                  <a:srgbClr val="A31515"/>
+                </a:solidFill>
+                <a:effectLst/>
+                <a:latin typeface="Consolas" panose="020B0609020204030204" pitchFamily="49" charset="0"/>
+              </a:rPr>
+              <a:t>","</a:t>
+            </a:r>
+            <a:r>
+              <a:rPr lang="en-US" altLang="ko-KR" b="0" dirty="0">
+                <a:solidFill>
+                  <a:srgbClr val="000000"/>
+                </a:solidFill>
+                <a:effectLst/>
+                <a:latin typeface="Consolas" panose="020B0609020204030204" pitchFamily="49" charset="0"/>
+              </a:rPr>
+              <a:t>);</a:t>
+            </a:r>
+          </a:p>
+          <a:p>
+            <a:r>
+              <a:rPr lang="en-US" altLang="ko-KR" b="0" dirty="0">
+                <a:solidFill>
+                  <a:srgbClr val="0000FF"/>
+                </a:solidFill>
+                <a:effectLst/>
+                <a:latin typeface="Consolas" panose="020B0609020204030204" pitchFamily="49" charset="0"/>
+              </a:rPr>
+              <a:t>let</a:t>
+            </a:r>
+            <a:r>
+              <a:rPr lang="en-US" altLang="ko-KR" b="0" dirty="0">
+                <a:solidFill>
+                  <a:srgbClr val="000000"/>
+                </a:solidFill>
+                <a:effectLst/>
+                <a:latin typeface="Consolas" panose="020B0609020204030204" pitchFamily="49" charset="0"/>
+              </a:rPr>
+              <a:t> today = </a:t>
+            </a:r>
+            <a:r>
+              <a:rPr lang="en-US" altLang="ko-KR" b="0" dirty="0">
+                <a:solidFill>
+                  <a:srgbClr val="0000FF"/>
+                </a:solidFill>
+                <a:effectLst/>
+                <a:latin typeface="Consolas" panose="020B0609020204030204" pitchFamily="49" charset="0"/>
+              </a:rPr>
+              <a:t>new</a:t>
+            </a:r>
+            <a:r>
+              <a:rPr lang="en-US" altLang="ko-KR" b="0" dirty="0">
+                <a:solidFill>
+                  <a:srgbClr val="000000"/>
+                </a:solidFill>
+                <a:effectLst/>
+                <a:latin typeface="Consolas" panose="020B0609020204030204" pitchFamily="49" charset="0"/>
+              </a:rPr>
+              <a:t> </a:t>
+            </a:r>
+            <a:r>
+              <a:rPr lang="en-US" altLang="ko-KR" b="0" dirty="0">
+                <a:solidFill>
+                  <a:srgbClr val="008080"/>
+                </a:solidFill>
+                <a:effectLst/>
+                <a:latin typeface="Consolas" panose="020B0609020204030204" pitchFamily="49" charset="0"/>
+              </a:rPr>
+              <a:t>Date</a:t>
+            </a:r>
+            <a:r>
+              <a:rPr lang="en-US" altLang="ko-KR" b="0" dirty="0">
+                <a:solidFill>
+                  <a:srgbClr val="000000"/>
+                </a:solidFill>
+                <a:effectLst/>
+                <a:latin typeface="Consolas" panose="020B0609020204030204" pitchFamily="49" charset="0"/>
+              </a:rPr>
+              <a:t>();</a:t>
+            </a:r>
+          </a:p>
+          <a:p>
+            <a:r>
+              <a:rPr lang="en-US" altLang="ko-KR" b="0" dirty="0">
+                <a:solidFill>
+                  <a:srgbClr val="0000FF"/>
+                </a:solidFill>
+                <a:effectLst/>
+                <a:latin typeface="Consolas" panose="020B0609020204030204" pitchFamily="49" charset="0"/>
+              </a:rPr>
+              <a:t>let</a:t>
+            </a:r>
+            <a:r>
+              <a:rPr lang="en-US" altLang="ko-KR" b="0" dirty="0">
+                <a:solidFill>
+                  <a:srgbClr val="000000"/>
+                </a:solidFill>
+                <a:effectLst/>
+                <a:latin typeface="Consolas" panose="020B0609020204030204" pitchFamily="49" charset="0"/>
+              </a:rPr>
+              <a:t> </a:t>
+            </a:r>
+            <a:r>
+              <a:rPr lang="en-US" altLang="ko-KR" b="0" dirty="0" err="1">
+                <a:solidFill>
+                  <a:srgbClr val="000000"/>
+                </a:solidFill>
+                <a:effectLst/>
+                <a:latin typeface="Consolas" panose="020B0609020204030204" pitchFamily="49" charset="0"/>
+              </a:rPr>
+              <a:t>timeFormat</a:t>
+            </a:r>
+            <a:r>
+              <a:rPr lang="en-US" altLang="ko-KR" b="0" dirty="0">
+                <a:solidFill>
+                  <a:srgbClr val="000000"/>
+                </a:solidFill>
+                <a:effectLst/>
+                <a:latin typeface="Consolas" panose="020B0609020204030204" pitchFamily="49" charset="0"/>
+              </a:rPr>
+              <a:t> = </a:t>
+            </a:r>
+            <a:r>
+              <a:rPr lang="en-US" altLang="ko-KR" b="0" dirty="0" err="1">
+                <a:solidFill>
+                  <a:srgbClr val="000000"/>
+                </a:solidFill>
+                <a:effectLst/>
+                <a:latin typeface="Consolas" panose="020B0609020204030204" pitchFamily="49" charset="0"/>
+              </a:rPr>
+              <a:t>today.getFullYear</a:t>
+            </a:r>
+            <a:r>
+              <a:rPr lang="en-US" altLang="ko-KR" b="0" dirty="0">
+                <a:solidFill>
+                  <a:srgbClr val="000000"/>
+                </a:solidFill>
+                <a:effectLst/>
+                <a:latin typeface="Consolas" panose="020B0609020204030204" pitchFamily="49" charset="0"/>
+              </a:rPr>
+              <a:t>() + </a:t>
+            </a:r>
+            <a:r>
+              <a:rPr lang="en-US" altLang="ko-KR" b="0" dirty="0">
+                <a:solidFill>
+                  <a:srgbClr val="A31515"/>
+                </a:solidFill>
+                <a:effectLst/>
+                <a:latin typeface="Consolas" panose="020B0609020204030204" pitchFamily="49" charset="0"/>
+              </a:rPr>
+              <a:t>'.'</a:t>
+            </a:r>
+            <a:r>
+              <a:rPr lang="en-US" altLang="ko-KR" b="0" dirty="0">
+                <a:solidFill>
+                  <a:srgbClr val="000000"/>
+                </a:solidFill>
+                <a:effectLst/>
+                <a:latin typeface="Consolas" panose="020B0609020204030204" pitchFamily="49" charset="0"/>
+              </a:rPr>
+              <a:t> + (</a:t>
+            </a:r>
+            <a:r>
+              <a:rPr lang="en-US" altLang="ko-KR" b="0" dirty="0" err="1">
+                <a:solidFill>
+                  <a:srgbClr val="000000"/>
+                </a:solidFill>
+                <a:effectLst/>
+                <a:latin typeface="Consolas" panose="020B0609020204030204" pitchFamily="49" charset="0"/>
+              </a:rPr>
+              <a:t>today.getMonth</a:t>
+            </a:r>
+            <a:r>
+              <a:rPr lang="en-US" altLang="ko-KR" b="0" dirty="0">
+                <a:solidFill>
+                  <a:srgbClr val="000000"/>
+                </a:solidFill>
+                <a:effectLst/>
+                <a:latin typeface="Consolas" panose="020B0609020204030204" pitchFamily="49" charset="0"/>
+              </a:rPr>
+              <a:t>() + </a:t>
+            </a:r>
+            <a:r>
+              <a:rPr lang="en-US" altLang="ko-KR" b="0" dirty="0">
+                <a:solidFill>
+                  <a:srgbClr val="098658"/>
+                </a:solidFill>
+                <a:effectLst/>
+                <a:latin typeface="Consolas" panose="020B0609020204030204" pitchFamily="49" charset="0"/>
+              </a:rPr>
+              <a:t>1</a:t>
+            </a:r>
+            <a:r>
+              <a:rPr lang="en-US" altLang="ko-KR" b="0" dirty="0">
+                <a:solidFill>
+                  <a:srgbClr val="000000"/>
+                </a:solidFill>
+                <a:effectLst/>
+                <a:latin typeface="Consolas" panose="020B0609020204030204" pitchFamily="49" charset="0"/>
+              </a:rPr>
+              <a:t>) + </a:t>
+            </a:r>
+            <a:r>
+              <a:rPr lang="en-US" altLang="ko-KR" b="0" dirty="0">
+                <a:solidFill>
+                  <a:srgbClr val="A31515"/>
+                </a:solidFill>
+                <a:effectLst/>
+                <a:latin typeface="Consolas" panose="020B0609020204030204" pitchFamily="49" charset="0"/>
+              </a:rPr>
+              <a:t>'.'</a:t>
+            </a:r>
+            <a:endParaRPr lang="en-US" altLang="ko-KR" b="0" dirty="0">
+              <a:solidFill>
+                <a:srgbClr val="000000"/>
+              </a:solidFill>
+              <a:effectLst/>
+              <a:latin typeface="Consolas" panose="020B0609020204030204" pitchFamily="49" charset="0"/>
+            </a:endParaRPr>
+          </a:p>
+          <a:p>
+            <a:r>
+              <a:rPr lang="en-US" altLang="ko-KR" b="0" dirty="0">
+                <a:solidFill>
+                  <a:srgbClr val="000000"/>
+                </a:solidFill>
+                <a:effectLst/>
+                <a:latin typeface="Consolas" panose="020B0609020204030204" pitchFamily="49" charset="0"/>
+              </a:rPr>
+              <a:t>    + </a:t>
+            </a:r>
+            <a:r>
+              <a:rPr lang="en-US" altLang="ko-KR" b="0" dirty="0" err="1">
+                <a:solidFill>
+                  <a:srgbClr val="000000"/>
+                </a:solidFill>
+                <a:effectLst/>
+                <a:latin typeface="Consolas" panose="020B0609020204030204" pitchFamily="49" charset="0"/>
+              </a:rPr>
+              <a:t>today.getDate</a:t>
+            </a:r>
+            <a:r>
+              <a:rPr lang="en-US" altLang="ko-KR" b="0" dirty="0">
+                <a:solidFill>
+                  <a:srgbClr val="000000"/>
+                </a:solidFill>
+                <a:effectLst/>
+                <a:latin typeface="Consolas" panose="020B0609020204030204" pitchFamily="49" charset="0"/>
+              </a:rPr>
+              <a:t>() + </a:t>
+            </a:r>
+            <a:r>
+              <a:rPr lang="en-US" altLang="ko-KR" b="0" dirty="0">
+                <a:solidFill>
+                  <a:srgbClr val="A31515"/>
+                </a:solidFill>
+                <a:effectLst/>
+                <a:latin typeface="Consolas" panose="020B0609020204030204" pitchFamily="49" charset="0"/>
+              </a:rPr>
+              <a:t>'.'</a:t>
+            </a:r>
+            <a:r>
+              <a:rPr lang="en-US" altLang="ko-KR" b="0" dirty="0">
+                <a:solidFill>
+                  <a:srgbClr val="000000"/>
+                </a:solidFill>
+                <a:effectLst/>
+                <a:latin typeface="Consolas" panose="020B0609020204030204" pitchFamily="49" charset="0"/>
+              </a:rPr>
+              <a:t> + </a:t>
+            </a:r>
+            <a:r>
+              <a:rPr lang="en-US" altLang="ko-KR" b="0" dirty="0" err="1">
+                <a:solidFill>
+                  <a:srgbClr val="000000"/>
+                </a:solidFill>
+                <a:effectLst/>
+                <a:latin typeface="Consolas" panose="020B0609020204030204" pitchFamily="49" charset="0"/>
+              </a:rPr>
+              <a:t>today.getHours</a:t>
+            </a:r>
+            <a:r>
+              <a:rPr lang="en-US" altLang="ko-KR" b="0" dirty="0">
+                <a:solidFill>
+                  <a:srgbClr val="000000"/>
+                </a:solidFill>
+                <a:effectLst/>
+                <a:latin typeface="Consolas" panose="020B0609020204030204" pitchFamily="49" charset="0"/>
+              </a:rPr>
+              <a:t>() + </a:t>
+            </a:r>
+            <a:r>
+              <a:rPr lang="en-US" altLang="ko-KR" b="0" dirty="0">
+                <a:solidFill>
+                  <a:srgbClr val="A31515"/>
+                </a:solidFill>
+                <a:effectLst/>
+                <a:latin typeface="Consolas" panose="020B0609020204030204" pitchFamily="49" charset="0"/>
+              </a:rPr>
+              <a:t>':'</a:t>
+            </a:r>
+            <a:r>
+              <a:rPr lang="en-US" altLang="ko-KR" b="0" dirty="0">
+                <a:solidFill>
+                  <a:srgbClr val="000000"/>
+                </a:solidFill>
+                <a:effectLst/>
+                <a:latin typeface="Consolas" panose="020B0609020204030204" pitchFamily="49" charset="0"/>
+              </a:rPr>
+              <a:t> + </a:t>
+            </a:r>
+            <a:r>
+              <a:rPr lang="en-US" altLang="ko-KR" b="0" dirty="0" err="1">
+                <a:solidFill>
+                  <a:srgbClr val="000000"/>
+                </a:solidFill>
+                <a:effectLst/>
+                <a:latin typeface="Consolas" panose="020B0609020204030204" pitchFamily="49" charset="0"/>
+              </a:rPr>
+              <a:t>today.getMinutes</a:t>
+            </a:r>
+            <a:r>
+              <a:rPr lang="en-US" altLang="ko-KR" b="0" dirty="0">
+                <a:solidFill>
+                  <a:srgbClr val="000000"/>
+                </a:solidFill>
+                <a:effectLst/>
+                <a:latin typeface="Consolas" panose="020B0609020204030204" pitchFamily="49" charset="0"/>
+              </a:rPr>
+              <a:t>() + </a:t>
+            </a:r>
+            <a:r>
+              <a:rPr lang="en-US" altLang="ko-KR" b="0" dirty="0">
+                <a:solidFill>
+                  <a:srgbClr val="A31515"/>
+                </a:solidFill>
+                <a:effectLst/>
+                <a:latin typeface="Consolas" panose="020B0609020204030204" pitchFamily="49" charset="0"/>
+              </a:rPr>
+              <a:t>':'</a:t>
+            </a:r>
+            <a:endParaRPr lang="en-US" altLang="ko-KR" b="0" dirty="0">
+              <a:solidFill>
+                <a:srgbClr val="000000"/>
+              </a:solidFill>
+              <a:effectLst/>
+              <a:latin typeface="Consolas" panose="020B0609020204030204" pitchFamily="49" charset="0"/>
+            </a:endParaRPr>
+          </a:p>
+          <a:p>
+            <a:r>
+              <a:rPr lang="en-US" altLang="ko-KR" b="0" dirty="0">
+                <a:solidFill>
+                  <a:srgbClr val="000000"/>
+                </a:solidFill>
+                <a:effectLst/>
+                <a:latin typeface="Consolas" panose="020B0609020204030204" pitchFamily="49" charset="0"/>
+              </a:rPr>
+              <a:t>    + </a:t>
+            </a:r>
+            <a:r>
+              <a:rPr lang="en-US" altLang="ko-KR" b="0" dirty="0" err="1">
+                <a:solidFill>
+                  <a:srgbClr val="000000"/>
+                </a:solidFill>
+                <a:effectLst/>
+                <a:latin typeface="Consolas" panose="020B0609020204030204" pitchFamily="49" charset="0"/>
+              </a:rPr>
+              <a:t>today.getSeconds</a:t>
+            </a:r>
+            <a:r>
+              <a:rPr lang="en-US" altLang="ko-KR" b="0" dirty="0">
+                <a:solidFill>
+                  <a:srgbClr val="000000"/>
+                </a:solidFill>
+                <a:effectLst/>
+                <a:latin typeface="Consolas" panose="020B0609020204030204" pitchFamily="49" charset="0"/>
+              </a:rPr>
+              <a:t>();</a:t>
+            </a:r>
+          </a:p>
+          <a:p>
+            <a:br>
+              <a:rPr lang="en-US" altLang="ko-KR" b="0" dirty="0">
+                <a:solidFill>
+                  <a:srgbClr val="000000"/>
+                </a:solidFill>
+                <a:effectLst/>
+                <a:latin typeface="Consolas" panose="020B0609020204030204" pitchFamily="49" charset="0"/>
+              </a:rPr>
+            </a:br>
+            <a:r>
+              <a:rPr lang="en-US" altLang="ko-KR" b="0" dirty="0">
+                <a:solidFill>
+                  <a:srgbClr val="0000FF"/>
+                </a:solidFill>
+                <a:effectLst/>
+                <a:latin typeface="Consolas" panose="020B0609020204030204" pitchFamily="49" charset="0"/>
+              </a:rPr>
+              <a:t>let</a:t>
+            </a:r>
+            <a:r>
+              <a:rPr lang="en-US" altLang="ko-KR" b="0" dirty="0">
+                <a:solidFill>
+                  <a:srgbClr val="000000"/>
+                </a:solidFill>
+                <a:effectLst/>
+                <a:latin typeface="Consolas" panose="020B0609020204030204" pitchFamily="49" charset="0"/>
+              </a:rPr>
+              <a:t> </a:t>
+            </a:r>
+            <a:r>
+              <a:rPr lang="en-US" altLang="ko-KR" b="0" dirty="0" err="1">
+                <a:solidFill>
+                  <a:srgbClr val="000000"/>
+                </a:solidFill>
+                <a:effectLst/>
+                <a:latin typeface="Consolas" panose="020B0609020204030204" pitchFamily="49" charset="0"/>
+              </a:rPr>
+              <a:t>newMsg</a:t>
+            </a:r>
+            <a:r>
+              <a:rPr lang="en-US" altLang="ko-KR" b="0" dirty="0">
+                <a:solidFill>
+                  <a:srgbClr val="000000"/>
+                </a:solidFill>
+                <a:effectLst/>
+                <a:latin typeface="Consolas" panose="020B0609020204030204" pitchFamily="49" charset="0"/>
+              </a:rPr>
+              <a:t> = {</a:t>
+            </a:r>
+          </a:p>
+          <a:p>
+            <a:r>
+              <a:rPr lang="en-US" altLang="ko-KR" b="0" dirty="0">
+                <a:solidFill>
+                  <a:srgbClr val="000000"/>
+                </a:solidFill>
+                <a:effectLst/>
+                <a:latin typeface="Consolas" panose="020B0609020204030204" pitchFamily="49" charset="0"/>
+              </a:rPr>
+              <a:t>    </a:t>
+            </a:r>
+            <a:r>
+              <a:rPr lang="en-US" altLang="ko-KR" b="0" dirty="0">
+                <a:solidFill>
+                  <a:srgbClr val="A31515"/>
+                </a:solidFill>
+                <a:effectLst/>
+                <a:latin typeface="Consolas" panose="020B0609020204030204" pitchFamily="49" charset="0"/>
+              </a:rPr>
+              <a:t>"topic"</a:t>
+            </a:r>
+            <a:r>
+              <a:rPr lang="en-US" altLang="ko-KR" b="0" dirty="0">
+                <a:solidFill>
+                  <a:srgbClr val="000000"/>
+                </a:solidFill>
+                <a:effectLst/>
+                <a:latin typeface="Consolas" panose="020B0609020204030204" pitchFamily="49" charset="0"/>
+              </a:rPr>
+              <a:t>: </a:t>
+            </a:r>
+            <a:r>
+              <a:rPr lang="en-US" altLang="ko-KR" b="0" dirty="0">
+                <a:solidFill>
+                  <a:srgbClr val="A31515"/>
+                </a:solidFill>
+                <a:effectLst/>
+                <a:latin typeface="Consolas" panose="020B0609020204030204" pitchFamily="49" charset="0"/>
+              </a:rPr>
+              <a:t>"INSERT INTO </a:t>
+            </a:r>
+            <a:r>
+              <a:rPr lang="en-US" altLang="ko-KR" b="0" dirty="0" err="1">
+                <a:solidFill>
+                  <a:srgbClr val="A31515"/>
+                </a:solidFill>
+                <a:effectLst/>
+                <a:latin typeface="Consolas" panose="020B0609020204030204" pitchFamily="49" charset="0"/>
+              </a:rPr>
+              <a:t>envtbl</a:t>
+            </a:r>
+            <a:r>
+              <a:rPr lang="en-US" altLang="ko-KR" b="0" dirty="0">
+                <a:solidFill>
+                  <a:srgbClr val="A31515"/>
+                </a:solidFill>
+                <a:effectLst/>
+                <a:latin typeface="Consolas" panose="020B0609020204030204" pitchFamily="49" charset="0"/>
+              </a:rPr>
+              <a:t> VALUES ( '"</a:t>
+            </a:r>
+            <a:r>
+              <a:rPr lang="en-US" altLang="ko-KR" b="0" dirty="0">
+                <a:solidFill>
+                  <a:srgbClr val="000000"/>
+                </a:solidFill>
+                <a:effectLst/>
+                <a:latin typeface="Consolas" panose="020B0609020204030204" pitchFamily="49" charset="0"/>
+              </a:rPr>
+              <a:t> + </a:t>
+            </a:r>
+            <a:r>
+              <a:rPr lang="en-US" altLang="ko-KR" b="0" dirty="0" err="1">
+                <a:solidFill>
+                  <a:srgbClr val="000000"/>
+                </a:solidFill>
+                <a:effectLst/>
+                <a:latin typeface="Consolas" panose="020B0609020204030204" pitchFamily="49" charset="0"/>
+              </a:rPr>
+              <a:t>timeFormat</a:t>
+            </a:r>
+            <a:r>
+              <a:rPr lang="en-US" altLang="ko-KR" b="0" dirty="0">
+                <a:solidFill>
+                  <a:srgbClr val="000000"/>
+                </a:solidFill>
+                <a:effectLst/>
+                <a:latin typeface="Consolas" panose="020B0609020204030204" pitchFamily="49" charset="0"/>
+              </a:rPr>
+              <a:t> + </a:t>
+            </a:r>
+            <a:r>
+              <a:rPr lang="en-US" altLang="ko-KR" b="0" dirty="0">
+                <a:solidFill>
+                  <a:srgbClr val="A31515"/>
+                </a:solidFill>
+                <a:effectLst/>
+                <a:latin typeface="Consolas" panose="020B0609020204030204" pitchFamily="49" charset="0"/>
+              </a:rPr>
+              <a:t>"', "</a:t>
+            </a:r>
+            <a:endParaRPr lang="en-US" altLang="ko-KR" b="0" dirty="0">
+              <a:solidFill>
+                <a:srgbClr val="000000"/>
+              </a:solidFill>
+              <a:effectLst/>
+              <a:latin typeface="Consolas" panose="020B0609020204030204" pitchFamily="49" charset="0"/>
+            </a:endParaRPr>
+          </a:p>
+          <a:p>
+            <a:r>
+              <a:rPr lang="en-US" altLang="ko-KR" b="0" dirty="0">
+                <a:solidFill>
+                  <a:srgbClr val="000000"/>
+                </a:solidFill>
+                <a:effectLst/>
+                <a:latin typeface="Consolas" panose="020B0609020204030204" pitchFamily="49" charset="0"/>
+              </a:rPr>
+              <a:t>            + data[</a:t>
+            </a:r>
+            <a:r>
+              <a:rPr lang="en-US" altLang="ko-KR" b="0" dirty="0">
+                <a:solidFill>
+                  <a:srgbClr val="098658"/>
+                </a:solidFill>
+                <a:effectLst/>
+                <a:latin typeface="Consolas" panose="020B0609020204030204" pitchFamily="49" charset="0"/>
+              </a:rPr>
+              <a:t>0</a:t>
+            </a:r>
+            <a:r>
+              <a:rPr lang="en-US" altLang="ko-KR" b="0" dirty="0">
+                <a:solidFill>
+                  <a:srgbClr val="000000"/>
+                </a:solidFill>
+                <a:effectLst/>
+                <a:latin typeface="Consolas" panose="020B0609020204030204" pitchFamily="49" charset="0"/>
+              </a:rPr>
+              <a:t>] + </a:t>
+            </a:r>
+            <a:r>
+              <a:rPr lang="en-US" altLang="ko-KR" b="0" dirty="0">
+                <a:solidFill>
+                  <a:srgbClr val="A31515"/>
+                </a:solidFill>
+                <a:effectLst/>
+                <a:latin typeface="Consolas" panose="020B0609020204030204" pitchFamily="49" charset="0"/>
+              </a:rPr>
+              <a:t>", "</a:t>
+            </a:r>
+            <a:r>
+              <a:rPr lang="en-US" altLang="ko-KR" b="0" dirty="0">
+                <a:solidFill>
+                  <a:srgbClr val="000000"/>
+                </a:solidFill>
+                <a:effectLst/>
+                <a:latin typeface="Consolas" panose="020B0609020204030204" pitchFamily="49" charset="0"/>
+              </a:rPr>
+              <a:t> + data[</a:t>
+            </a:r>
+            <a:r>
+              <a:rPr lang="en-US" altLang="ko-KR" b="0" dirty="0">
+                <a:solidFill>
+                  <a:srgbClr val="098658"/>
+                </a:solidFill>
+                <a:effectLst/>
+                <a:latin typeface="Consolas" panose="020B0609020204030204" pitchFamily="49" charset="0"/>
+              </a:rPr>
+              <a:t>1</a:t>
+            </a:r>
+            <a:r>
+              <a:rPr lang="en-US" altLang="ko-KR" b="0" dirty="0">
+                <a:solidFill>
+                  <a:srgbClr val="000000"/>
+                </a:solidFill>
+                <a:effectLst/>
+                <a:latin typeface="Consolas" panose="020B0609020204030204" pitchFamily="49" charset="0"/>
+              </a:rPr>
+              <a:t>] + </a:t>
+            </a:r>
+            <a:r>
+              <a:rPr lang="en-US" altLang="ko-KR" b="0" dirty="0">
+                <a:solidFill>
+                  <a:srgbClr val="A31515"/>
+                </a:solidFill>
+                <a:effectLst/>
+                <a:latin typeface="Consolas" panose="020B0609020204030204" pitchFamily="49" charset="0"/>
+              </a:rPr>
+              <a:t>", "</a:t>
+            </a:r>
+            <a:r>
+              <a:rPr lang="en-US" altLang="ko-KR" b="0" dirty="0">
+                <a:solidFill>
+                  <a:srgbClr val="000000"/>
+                </a:solidFill>
+                <a:effectLst/>
+                <a:latin typeface="Consolas" panose="020B0609020204030204" pitchFamily="49" charset="0"/>
+              </a:rPr>
+              <a:t> + data[</a:t>
+            </a:r>
+            <a:r>
+              <a:rPr lang="en-US" altLang="ko-KR" b="0" dirty="0">
+                <a:solidFill>
+                  <a:srgbClr val="098658"/>
+                </a:solidFill>
+                <a:effectLst/>
+                <a:latin typeface="Consolas" panose="020B0609020204030204" pitchFamily="49" charset="0"/>
+              </a:rPr>
+              <a:t>2</a:t>
+            </a:r>
+            <a:r>
+              <a:rPr lang="en-US" altLang="ko-KR" b="0" dirty="0">
+                <a:solidFill>
+                  <a:srgbClr val="000000"/>
+                </a:solidFill>
+                <a:effectLst/>
+                <a:latin typeface="Consolas" panose="020B0609020204030204" pitchFamily="49" charset="0"/>
+              </a:rPr>
+              <a:t>] + </a:t>
+            </a:r>
+            <a:r>
+              <a:rPr lang="en-US" altLang="ko-KR" b="0" dirty="0">
+                <a:solidFill>
+                  <a:srgbClr val="A31515"/>
+                </a:solidFill>
+                <a:effectLst/>
+                <a:latin typeface="Consolas" panose="020B0609020204030204" pitchFamily="49" charset="0"/>
+              </a:rPr>
+              <a:t>")"</a:t>
+            </a:r>
+            <a:endParaRPr lang="en-US" altLang="ko-KR" b="0" dirty="0">
+              <a:solidFill>
+                <a:srgbClr val="000000"/>
+              </a:solidFill>
+              <a:effectLst/>
+              <a:latin typeface="Consolas" panose="020B0609020204030204" pitchFamily="49" charset="0"/>
+            </a:endParaRPr>
+          </a:p>
+          <a:p>
+            <a:r>
+              <a:rPr lang="en-US" altLang="ko-KR" b="0" dirty="0">
+                <a:solidFill>
+                  <a:srgbClr val="000000"/>
+                </a:solidFill>
+                <a:effectLst/>
+                <a:latin typeface="Consolas" panose="020B0609020204030204" pitchFamily="49" charset="0"/>
+              </a:rPr>
+              <a:t>}</a:t>
+            </a:r>
+          </a:p>
+          <a:p>
+            <a:r>
+              <a:rPr lang="en-US" altLang="ko-KR" b="0" dirty="0">
+                <a:solidFill>
+                  <a:srgbClr val="0000FF"/>
+                </a:solidFill>
+                <a:effectLst/>
+                <a:latin typeface="Consolas" panose="020B0609020204030204" pitchFamily="49" charset="0"/>
+              </a:rPr>
+              <a:t>return</a:t>
+            </a:r>
+            <a:r>
+              <a:rPr lang="en-US" altLang="ko-KR" b="0" dirty="0">
+                <a:solidFill>
+                  <a:srgbClr val="000000"/>
+                </a:solidFill>
+                <a:effectLst/>
+                <a:latin typeface="Consolas" panose="020B0609020204030204" pitchFamily="49" charset="0"/>
+              </a:rPr>
+              <a:t> </a:t>
+            </a:r>
+            <a:r>
+              <a:rPr lang="en-US" altLang="ko-KR" b="0" dirty="0" err="1">
+                <a:solidFill>
+                  <a:srgbClr val="000000"/>
+                </a:solidFill>
+                <a:effectLst/>
+                <a:latin typeface="Consolas" panose="020B0609020204030204" pitchFamily="49" charset="0"/>
+              </a:rPr>
+              <a:t>newMsg</a:t>
+            </a:r>
+            <a:r>
+              <a:rPr lang="en-US" altLang="ko-KR" b="0">
+                <a:solidFill>
+                  <a:srgbClr val="000000"/>
+                </a:solidFill>
+                <a:effectLst/>
+                <a:latin typeface="Consolas" panose="020B0609020204030204" pitchFamily="49" charset="0"/>
+              </a:rPr>
+              <a:t>;</a:t>
+            </a:r>
           </a:p>
         </p:txBody>
       </p:sp>
